--- a/data/output/pptx/story_1_hanuman’s_bravery_in_finding_sita.pptx
+++ b/data/output/pptx/story_1_hanuman’s_bravery_in_finding_sita.pptx
@@ -11,6 +11,7 @@
     <p:sldId id="259" r:id="rId10"/>
     <p:sldId id="260" r:id="rId11"/>
     <p:sldId id="261" r:id="rId12"/>
+    <p:sldId id="262" r:id="rId13"/>
   </p:sldIdLst>
   <p:sldSz cx="9144000" cy="6858000" type="screen4x3"/>
   <p:notesSz cx="6858000" cy="9144000"/>
@@ -3130,7 +3131,19 @@
           <a:lstStyle/>
           <a:p>
             <a:r>
-              <a:t>Hanuman, the mighty monkey warrior, saw his beloved Lord Rama with a sad heart. The wicked demon kin</a:t>
+              <a:t>Of course! Here is a short story for children about Hanuman's bravery.</a:t>
+            </a:r>
+          </a:p>
+          <a:p/>
+          <a:p>
+            <a:r>
+              <a:t>***</a:t>
+            </a:r>
+          </a:p>
+          <a:p/>
+          <a:p>
+            <a:r>
+              <a:t>### Hanuman's Great Lea</a:t>
             </a:r>
           </a:p>
         </p:txBody>
@@ -3187,7 +3200,7 @@
           <a:p>
             <a:pPr algn="l"/>
             <a:r>
-              <a:t>Hanuman, the mighty monkey warrior, saw his beloved Lord Rama with a sad heart. The wicked demon king, Ravana, had captured the beautiful Princess Sita and hidden her on his island kingdom of Lanka. A vast, roaring ocean stood between them and Sita. While everyone else wondered what to do,</a:t>
+              <a:t>Of course! Here is a short story for children about Hanuman's bravery. *** ### Hanuman's Great Leap Prince Rama’s heart was heavy. The wicked demon king Ravana had kidnapped his beloved wife, Sita, and hidden her on the island of Lanka. The mighty Hanuman, son of the Wind God, stepped</a:t>
             </a:r>
           </a:p>
         </p:txBody>
@@ -3244,7 +3257,7 @@
           <a:p>
             <a:pPr algn="l"/>
             <a:r>
-              <a:t>Hanuman’s heart filled with courage. He chanted Lord Rama’s name, and a magical power flowed through him. He grew bigger, and bigger, until he was as tall as a mountain! With a mighty roar, **"Jai Shri Ram!"** (Victory to Lord Rama!), Hanuman took a giant leap. He flew across the</a:t>
+              <a:t>forward. "Do not worry, my Lord! I will find Mother Sita," he promised. But a vast, roaring ocean stood between him and Lanka. Hanuman smiled, remembering his divine powers. Chanting "Jai Shri Ram!", he grew bigger and bigger until he was as tall as a mountain! With a mighty push,</a:t>
             </a:r>
           </a:p>
         </p:txBody>
@@ -3301,7 +3314,7 @@
           <a:p>
             <a:pPr algn="l"/>
             <a:r>
-              <a:t>sky like a golden arrow, soaring over the massive waves below. In Lanka, he bravely snuck past giant demons and finally found Sita in a beautiful garden called the Ashoka Vatika. He gave her Rama’s ring, assuring her that help was on its way. Hanuman’s single act of bravery brought</a:t>
+              <a:t>he leaped into the air. He soared through the clouds like a golden arrow, flying over the giant waves. On reaching Lanka, he shrank back to the size of a small monkey and searched for Sita. He found her in a beautiful garden, the Ashoka Vatika, looking sad. Hanuman gently</a:t>
             </a:r>
           </a:p>
         </p:txBody>
@@ -3358,7 +3371,7 @@
           <a:p>
             <a:pPr algn="l"/>
             <a:r>
-              <a:t>hope to everyone. *** **Moral of the story:** With courage in your heart and faith in doing the right thing, no ocean is too wide and no challenge is too big.</a:t>
+              <a:t>gave her Prince Rama’s ring. Seeing it, Sita’s eyes filled with hope. Hanuman promised that Rama would come to rescue her soon. *** **Moral of the story:** True bravery isn't just about being strong, but about using your courage and skills to help others and never giving up, no matter</a:t>
             </a:r>
           </a:p>
         </p:txBody>
@@ -3372,6 +3385,63 @@
 </file>
 
 <file path=ppt/slides/slide6.xml><?xml version="1.0" encoding="utf-8"?>
+<p:sld xmlns:a="http://schemas.openxmlformats.org/drawingml/2006/main" xmlns:p="http://schemas.openxmlformats.org/presentationml/2006/main" xmlns:r="http://schemas.openxmlformats.org/officeDocument/2006/relationships">
+  <p:cSld>
+    <p:spTree>
+      <p:nvGrpSpPr>
+        <p:cNvPr id="1" name=""/>
+        <p:cNvGrpSpPr/>
+        <p:nvPr/>
+      </p:nvGrpSpPr>
+      <p:grpSpPr/>
+      <p:sp>
+        <p:nvSpPr>
+          <p:cNvPr id="2" name="Title 1"/>
+          <p:cNvSpPr>
+            <a:spLocks noGrp="1"/>
+          </p:cNvSpPr>
+          <p:nvPr>
+            <p:ph type="title"/>
+          </p:nvPr>
+        </p:nvSpPr>
+        <p:spPr/>
+        <p:txBody>
+          <a:bodyPr/>
+          <a:lstStyle/>
+          <a:p/>
+        </p:txBody>
+      </p:sp>
+      <p:sp>
+        <p:nvSpPr>
+          <p:cNvPr id="3" name="Content Placeholder 2"/>
+          <p:cNvSpPr>
+            <a:spLocks noGrp="1"/>
+          </p:cNvSpPr>
+          <p:nvPr>
+            <p:ph idx="1"/>
+          </p:nvPr>
+        </p:nvSpPr>
+        <p:spPr/>
+        <p:txBody>
+          <a:bodyPr/>
+          <a:lstStyle/>
+          <a:p>
+            <a:pPr algn="l"/>
+            <a:r>
+              <a:t>how big the obstacle.</a:t>
+            </a:r>
+          </a:p>
+        </p:txBody>
+      </p:sp>
+    </p:spTree>
+  </p:cSld>
+  <p:clrMapOvr>
+    <a:masterClrMapping/>
+  </p:clrMapOvr>
+</p:sld>
+</file>
+
+<file path=ppt/slides/slide7.xml><?xml version="1.0" encoding="utf-8"?>
 <p:sld xmlns:a="http://schemas.openxmlformats.org/drawingml/2006/main" xmlns:p="http://schemas.openxmlformats.org/presentationml/2006/main" xmlns:r="http://schemas.openxmlformats.org/officeDocument/2006/relationships">
   <p:cSld>
     <p:spTree>
